--- a/Project Presentation/TechDemo.pptx
+++ b/Project Presentation/TechDemo.pptx
@@ -7288,6 +7288,16 @@
   <p:clrMapOvr>
     <a:masterClrMapping/>
   </p:clrMapOvr>
+  <p:transition spd="med">
+    <p:pull/>
+  </p:transition>
+  <p:timing>
+    <p:tnLst>
+      <p:par>
+        <p:cTn id="1" dur="indefinite" restart="never" nodeType="tmRoot"/>
+      </p:par>
+    </p:tnLst>
+  </p:timing>
 </p:sld>
 </file>
 
@@ -7629,11 +7639,7 @@
             <a:pPr lvl="1"/>
             <a:r>
               <a:rPr lang="en-US" dirty="0" smtClean="0"/>
-              <a:t>Easy and fast app </a:t>
-            </a:r>
-            <a:r>
-              <a:rPr lang="en-US" smtClean="0"/>
-              <a:t>submission process</a:t>
+              <a:t>Easy and fast app submission process</a:t>
             </a:r>
             <a:endParaRPr lang="en-US" dirty="0"/>
           </a:p>
@@ -7674,6 +7680,16 @@
   <p:clrMapOvr>
     <a:masterClrMapping/>
   </p:clrMapOvr>
+  <p:transition spd="med">
+    <p:pull/>
+  </p:transition>
+  <p:timing>
+    <p:tnLst>
+      <p:par>
+        <p:cTn id="1" dur="indefinite" restart="never" nodeType="tmRoot"/>
+      </p:par>
+    </p:tnLst>
+  </p:timing>
 </p:sld>
 </file>
 
